--- a/Health and Socio-Economic Factors.pptx
+++ b/Health and Socio-Economic Factors.pptx
@@ -25,9 +25,9 @@
     <p:sldId id="291" r:id="rId19"/>
     <p:sldId id="293" r:id="rId20"/>
     <p:sldId id="289" r:id="rId21"/>
-    <p:sldId id="288" r:id="rId22"/>
-    <p:sldId id="295" r:id="rId23"/>
-    <p:sldId id="268" r:id="rId24"/>
+    <p:sldId id="268" r:id="rId22"/>
+    <p:sldId id="288" r:id="rId23"/>
+    <p:sldId id="295" r:id="rId24"/>
     <p:sldId id="281" r:id="rId25"/>
     <p:sldId id="282" r:id="rId26"/>
     <p:sldId id="283" r:id="rId27"/>
@@ -21470,6 +21470,129 @@
           <p:cNvPr id="2" name="Title 1">
             <a:extLst>
               <a:ext uri="{FF2B5EF4-FFF2-40B4-BE49-F238E27FC236}">
+                <a16:creationId xmlns:a16="http://schemas.microsoft.com/office/drawing/2014/main" id="{1E0DF95F-212A-4C3D-A1AD-394FA3BD370B}"/>
+              </a:ext>
+            </a:extLst>
+          </p:cNvPr>
+          <p:cNvSpPr>
+            <a:spLocks noGrp="1"/>
+          </p:cNvSpPr>
+          <p:nvPr>
+            <p:ph type="title"/>
+          </p:nvPr>
+        </p:nvSpPr>
+        <p:spPr/>
+        <p:txBody>
+          <a:bodyPr/>
+          <a:lstStyle/>
+          <a:p>
+            <a:pPr algn="ctr"/>
+            <a:r>
+              <a:rPr lang="en-US" b="1" dirty="0">
+                <a:solidFill>
+                  <a:srgbClr val="FF0000"/>
+                </a:solidFill>
+              </a:rPr>
+              <a:t>CAVEAT</a:t>
+            </a:r>
+          </a:p>
+        </p:txBody>
+      </p:sp>
+      <p:sp>
+        <p:nvSpPr>
+          <p:cNvPr id="3" name="Content Placeholder 2">
+            <a:extLst>
+              <a:ext uri="{FF2B5EF4-FFF2-40B4-BE49-F238E27FC236}">
+                <a16:creationId xmlns:a16="http://schemas.microsoft.com/office/drawing/2014/main" id="{BC55BD60-8F53-4CF7-88E5-77398E64411A}"/>
+              </a:ext>
+            </a:extLst>
+          </p:cNvPr>
+          <p:cNvSpPr>
+            <a:spLocks noGrp="1"/>
+          </p:cNvSpPr>
+          <p:nvPr>
+            <p:ph idx="1"/>
+          </p:nvPr>
+        </p:nvSpPr>
+        <p:spPr/>
+        <p:txBody>
+          <a:bodyPr/>
+          <a:lstStyle/>
+          <a:p>
+            <a:endParaRPr lang="en-US" dirty="0"/>
+          </a:p>
+          <a:p>
+            <a:endParaRPr lang="en-US" dirty="0"/>
+          </a:p>
+          <a:p>
+            <a:r>
+              <a:rPr lang="en-US" sz="2800" b="1" dirty="0"/>
+              <a:t>“Jumping to conclusions usually hurts someone …</a:t>
+            </a:r>
+          </a:p>
+          <a:p>
+            <a:r>
+              <a:rPr lang="en-US" sz="2800" b="1" dirty="0"/>
+              <a:t>… either the one </a:t>
+            </a:r>
+            <a:r>
+              <a:rPr lang="en-US" sz="2800" b="1"/>
+              <a:t>jumping or </a:t>
+            </a:r>
+            <a:r>
+              <a:rPr lang="en-US" sz="2800" b="1" dirty="0"/>
+              <a:t>the one jumped on or both.”</a:t>
+            </a:r>
+          </a:p>
+          <a:p>
+            <a:endParaRPr lang="en-US" sz="2800" b="1" dirty="0"/>
+          </a:p>
+          <a:p>
+            <a:pPr marL="1271400" lvl="7" indent="0">
+              <a:buNone/>
+            </a:pPr>
+            <a:r>
+              <a:rPr lang="en-US" sz="2300" b="1" dirty="0"/>
+              <a:t>				--- Captain Jack Sparrow</a:t>
+            </a:r>
+          </a:p>
+        </p:txBody>
+      </p:sp>
+    </p:spTree>
+    <p:extLst>
+      <p:ext uri="{BB962C8B-B14F-4D97-AF65-F5344CB8AC3E}">
+        <p14:creationId xmlns:p14="http://schemas.microsoft.com/office/powerpoint/2010/main" val="4288293492"/>
+      </p:ext>
+    </p:extLst>
+  </p:cSld>
+  <p:clrMapOvr>
+    <a:masterClrMapping/>
+  </p:clrMapOvr>
+</p:sld>
+</file>
+
+<file path=ppt/slides/slide22.xml><?xml version="1.0" encoding="utf-8"?>
+<p:sld xmlns:a="http://schemas.openxmlformats.org/drawingml/2006/main" xmlns:r="http://schemas.openxmlformats.org/officeDocument/2006/relationships" xmlns:p="http://schemas.openxmlformats.org/presentationml/2006/main">
+  <p:cSld>
+    <p:spTree>
+      <p:nvGrpSpPr>
+        <p:cNvPr id="1" name=""/>
+        <p:cNvGrpSpPr/>
+        <p:nvPr/>
+      </p:nvGrpSpPr>
+      <p:grpSpPr>
+        <a:xfrm>
+          <a:off x="0" y="0"/>
+          <a:ext cx="0" cy="0"/>
+          <a:chOff x="0" y="0"/>
+          <a:chExt cx="0" cy="0"/>
+        </a:xfrm>
+      </p:grpSpPr>
+      <p:sp>
+        <p:nvSpPr>
+          <p:cNvPr id="2" name="Title 1">
+            <a:extLst>
+              <a:ext uri="{FF2B5EF4-FFF2-40B4-BE49-F238E27FC236}">
                 <a16:creationId xmlns:a16="http://schemas.microsoft.com/office/drawing/2014/main" id="{F627AF11-00B5-47EC-A68F-0C19AE3705AA}"/>
               </a:ext>
             </a:extLst>
@@ -21605,7 +21728,7 @@
 </p:sld>
 </file>
 
-<file path=ppt/slides/slide22.xml><?xml version="1.0" encoding="utf-8"?>
+<file path=ppt/slides/slide23.xml><?xml version="1.0" encoding="utf-8"?>
 <p:sld xmlns:a="http://schemas.openxmlformats.org/drawingml/2006/main" xmlns:r="http://schemas.openxmlformats.org/officeDocument/2006/relationships" xmlns:p="http://schemas.openxmlformats.org/presentationml/2006/main">
   <p:cSld>
     <p:spTree>
@@ -21754,129 +21877,6 @@
     <p:extLst>
       <p:ext uri="{BB962C8B-B14F-4D97-AF65-F5344CB8AC3E}">
         <p14:creationId xmlns:p14="http://schemas.microsoft.com/office/powerpoint/2010/main" val="1699901113"/>
-      </p:ext>
-    </p:extLst>
-  </p:cSld>
-  <p:clrMapOvr>
-    <a:masterClrMapping/>
-  </p:clrMapOvr>
-</p:sld>
-</file>
-
-<file path=ppt/slides/slide23.xml><?xml version="1.0" encoding="utf-8"?>
-<p:sld xmlns:a="http://schemas.openxmlformats.org/drawingml/2006/main" xmlns:r="http://schemas.openxmlformats.org/officeDocument/2006/relationships" xmlns:p="http://schemas.openxmlformats.org/presentationml/2006/main">
-  <p:cSld>
-    <p:spTree>
-      <p:nvGrpSpPr>
-        <p:cNvPr id="1" name=""/>
-        <p:cNvGrpSpPr/>
-        <p:nvPr/>
-      </p:nvGrpSpPr>
-      <p:grpSpPr>
-        <a:xfrm>
-          <a:off x="0" y="0"/>
-          <a:ext cx="0" cy="0"/>
-          <a:chOff x="0" y="0"/>
-          <a:chExt cx="0" cy="0"/>
-        </a:xfrm>
-      </p:grpSpPr>
-      <p:sp>
-        <p:nvSpPr>
-          <p:cNvPr id="2" name="Title 1">
-            <a:extLst>
-              <a:ext uri="{FF2B5EF4-FFF2-40B4-BE49-F238E27FC236}">
-                <a16:creationId xmlns:a16="http://schemas.microsoft.com/office/drawing/2014/main" id="{1E0DF95F-212A-4C3D-A1AD-394FA3BD370B}"/>
-              </a:ext>
-            </a:extLst>
-          </p:cNvPr>
-          <p:cNvSpPr>
-            <a:spLocks noGrp="1"/>
-          </p:cNvSpPr>
-          <p:nvPr>
-            <p:ph type="title"/>
-          </p:nvPr>
-        </p:nvSpPr>
-        <p:spPr/>
-        <p:txBody>
-          <a:bodyPr/>
-          <a:lstStyle/>
-          <a:p>
-            <a:pPr algn="ctr"/>
-            <a:r>
-              <a:rPr lang="en-US" b="1" dirty="0">
-                <a:solidFill>
-                  <a:srgbClr val="FF0000"/>
-                </a:solidFill>
-              </a:rPr>
-              <a:t>CAVEAT</a:t>
-            </a:r>
-          </a:p>
-        </p:txBody>
-      </p:sp>
-      <p:sp>
-        <p:nvSpPr>
-          <p:cNvPr id="3" name="Content Placeholder 2">
-            <a:extLst>
-              <a:ext uri="{FF2B5EF4-FFF2-40B4-BE49-F238E27FC236}">
-                <a16:creationId xmlns:a16="http://schemas.microsoft.com/office/drawing/2014/main" id="{BC55BD60-8F53-4CF7-88E5-77398E64411A}"/>
-              </a:ext>
-            </a:extLst>
-          </p:cNvPr>
-          <p:cNvSpPr>
-            <a:spLocks noGrp="1"/>
-          </p:cNvSpPr>
-          <p:nvPr>
-            <p:ph idx="1"/>
-          </p:nvPr>
-        </p:nvSpPr>
-        <p:spPr/>
-        <p:txBody>
-          <a:bodyPr/>
-          <a:lstStyle/>
-          <a:p>
-            <a:endParaRPr lang="en-US" dirty="0"/>
-          </a:p>
-          <a:p>
-            <a:endParaRPr lang="en-US" dirty="0"/>
-          </a:p>
-          <a:p>
-            <a:r>
-              <a:rPr lang="en-US" sz="2800" b="1" dirty="0"/>
-              <a:t>“Jumping to conclusions usually hurts someone …</a:t>
-            </a:r>
-          </a:p>
-          <a:p>
-            <a:r>
-              <a:rPr lang="en-US" sz="2800" b="1" dirty="0"/>
-              <a:t>… either the one </a:t>
-            </a:r>
-            <a:r>
-              <a:rPr lang="en-US" sz="2800" b="1"/>
-              <a:t>jumping or </a:t>
-            </a:r>
-            <a:r>
-              <a:rPr lang="en-US" sz="2800" b="1" dirty="0"/>
-              <a:t>the one jumped on or both.”</a:t>
-            </a:r>
-          </a:p>
-          <a:p>
-            <a:endParaRPr lang="en-US" sz="2800" b="1" dirty="0"/>
-          </a:p>
-          <a:p>
-            <a:pPr marL="1271400" lvl="7" indent="0">
-              <a:buNone/>
-            </a:pPr>
-            <a:r>
-              <a:rPr lang="en-US" sz="2300" b="1" dirty="0"/>
-              <a:t>				--- Captain Jack Sparrow</a:t>
-            </a:r>
-          </a:p>
-        </p:txBody>
-      </p:sp>
-    </p:spTree>
-    <p:extLst>
-      <p:ext uri="{BB962C8B-B14F-4D97-AF65-F5344CB8AC3E}">
-        <p14:creationId xmlns:p14="http://schemas.microsoft.com/office/powerpoint/2010/main" val="4288293492"/>
       </p:ext>
     </p:extLst>
   </p:cSld>
